--- a/docs/media/cheat-sheet-circuit-breaker.pptx
+++ b/docs/media/cheat-sheet-circuit-breaker.pptx
@@ -2124,7 +2124,7 @@
           </a:ln>
           <a:extLst>
             <a:ext uri="{C572A759-6A51-4108-AA02-DFA0A04FC94B}">
-              <ma14:wrappingTextBoxFlag xmlns:ma14="http://schemas.microsoft.com/office/mac/drawingml/2011/main" xmlns:a14="http://schemas.microsoft.com/office/drawing/2010/main" xmlns:m="http://schemas.openxmlformats.org/officeDocument/2006/math" xmlns="" val="1"/>
+              <ma14:wrappingTextBoxFlag xmlns="" xmlns:m="http://schemas.openxmlformats.org/officeDocument/2006/math" xmlns:a14="http://schemas.microsoft.com/office/drawing/2010/main" xmlns:ma14="http://schemas.microsoft.com/office/mac/drawingml/2011/main" val="1"/>
             </a:ext>
           </a:extLst>
         </p:spPr>
@@ -2163,7 +2163,7 @@
           </a:ln>
           <a:extLst>
             <a:ext uri="{C572A759-6A51-4108-AA02-DFA0A04FC94B}">
-              <ma14:wrappingTextBoxFlag xmlns:ma14="http://schemas.microsoft.com/office/mac/drawingml/2011/main" xmlns:a14="http://schemas.microsoft.com/office/drawing/2010/main" xmlns:m="http://schemas.openxmlformats.org/officeDocument/2006/math" xmlns="" val="1"/>
+              <ma14:wrappingTextBoxFlag xmlns="" xmlns:m="http://schemas.openxmlformats.org/officeDocument/2006/math" xmlns:a14="http://schemas.microsoft.com/office/drawing/2010/main" xmlns:ma14="http://schemas.microsoft.com/office/mac/drawingml/2011/main" val="1"/>
             </a:ext>
           </a:extLst>
         </p:spPr>
@@ -3132,8 +3132,8 @@
         </p:nvSpPr>
         <p:spPr>
           <a:xfrm>
-            <a:off x="611543" y="4157647"/>
-            <a:ext cx="4346831" cy="5533901"/>
+            <a:off x="688848" y="4052422"/>
+            <a:ext cx="4326212" cy="5639126"/>
           </a:xfrm>
           <a:prstGeom prst="rect">
             <a:avLst/>
@@ -3187,7 +3187,22 @@
                 <a:latin typeface="Source Sans Pro" panose="020B0503030403020204" pitchFamily="34" charset="0"/>
                 <a:ea typeface="Source Sans Pro" panose="020B0503030403020204" pitchFamily="34" charset="0"/>
               </a:rPr>
-              <a:t>allows you to shortcut execution </a:t>
+              <a:t>allows you to shortcut </a:t>
+            </a:r>
+            <a:r>
+              <a:rPr lang="en-GB" sz="1600" dirty="0">
+                <a:latin typeface="Source Sans Pro" panose="020B0503030403020204" pitchFamily="34" charset="0"/>
+                <a:ea typeface="Source Sans Pro" panose="020B0503030403020204" pitchFamily="34" charset="0"/>
+              </a:rPr>
+              <a:t>execution</a:t>
+            </a:r>
+            <a:r>
+              <a:rPr lang="en-GB" sz="1600" dirty="0">
+                <a:effectLst/>
+                <a:latin typeface="Source Sans Pro" panose="020B0503030403020204" pitchFamily="34" charset="0"/>
+                <a:ea typeface="Source Sans Pro" panose="020B0503030403020204" pitchFamily="34" charset="0"/>
+              </a:rPr>
+              <a:t> </a:t>
             </a:r>
             <a:r>
               <a:rPr lang="en-GB" sz="1600" b="0" dirty="0">
@@ -3202,7 +3217,7 @@
                 <a:latin typeface="Source Sans Pro" panose="020B0503030403020204" pitchFamily="34" charset="0"/>
                 <a:ea typeface="Source Sans Pro" panose="020B0503030403020204" pitchFamily="34" charset="0"/>
               </a:rPr>
-              <a:t>underlying resource detected as unhealthy</a:t>
+              <a:t>underlying resource is detected as unhealthy</a:t>
             </a:r>
             <a:r>
               <a:rPr lang="en-GB" sz="1600" b="0" dirty="0">
@@ -3295,7 +3310,7 @@
                 <a:latin typeface="Source Sans Pro" panose="020B0503030403020204" pitchFamily="34" charset="0"/>
                 <a:ea typeface="Source Sans Pro" panose="020B0503030403020204" pitchFamily="34" charset="0"/>
               </a:rPr>
-              <a:t>In </a:t>
+              <a:t>In the </a:t>
             </a:r>
             <a:r>
               <a:rPr lang="en-GB" sz="1600" dirty="0">
@@ -3309,7 +3324,7 @@
                 <a:latin typeface="Source Sans Pro" panose="020B0503030403020204" pitchFamily="34" charset="0"/>
                 <a:ea typeface="Source Sans Pro" panose="020B0503030403020204" pitchFamily="34" charset="0"/>
               </a:rPr>
-              <a:t> state the circuit allows traffic to pass through and it monitors the failures.</a:t>
+              <a:t> state the circuit allows invocations to pass through and it monitors the failures.</a:t>
             </a:r>
           </a:p>
           <a:p>
@@ -3318,7 +3333,7 @@
                 <a:latin typeface="Source Sans Pro" panose="020B0503030403020204" pitchFamily="34" charset="0"/>
                 <a:ea typeface="Source Sans Pro" panose="020B0503030403020204" pitchFamily="34" charset="0"/>
               </a:rPr>
-              <a:t>In </a:t>
+              <a:t>In the </a:t>
             </a:r>
             <a:r>
               <a:rPr lang="en-GB" sz="1600" dirty="0">
@@ -3332,7 +3347,7 @@
                 <a:latin typeface="Source Sans Pro" panose="020B0503030403020204" pitchFamily="34" charset="0"/>
                 <a:ea typeface="Source Sans Pro" panose="020B0503030403020204" pitchFamily="34" charset="0"/>
               </a:rPr>
-              <a:t> state the circuit blocks traffic. </a:t>
+              <a:t> state the circuit blocks invocations. </a:t>
             </a:r>
             <a:br>
               <a:rPr lang="en-GB" sz="1600" b="0" dirty="0">
@@ -3345,7 +3360,7 @@
                 <a:latin typeface="Source Sans Pro" panose="020B0503030403020204" pitchFamily="34" charset="0"/>
                 <a:ea typeface="Source Sans Pro" panose="020B0503030403020204" pitchFamily="34" charset="0"/>
               </a:rPr>
-              <a:t>In </a:t>
+              <a:t>In the </a:t>
             </a:r>
             <a:r>
               <a:rPr lang="en-GB" sz="1600" dirty="0" err="1">
@@ -3359,7 +3374,7 @@
                 <a:latin typeface="Source Sans Pro" panose="020B0503030403020204" pitchFamily="34" charset="0"/>
                 <a:ea typeface="Source Sans Pro" panose="020B0503030403020204" pitchFamily="34" charset="0"/>
               </a:rPr>
-              <a:t> state the circuit allows a single request to pass through as a probe.</a:t>
+              <a:t> state the circuit allows a single invocation to pass through as a probe.</a:t>
             </a:r>
           </a:p>
           <a:p>
@@ -3388,7 +3403,7 @@
                 <a:latin typeface="Source Sans Pro" panose="020B0503030403020204" pitchFamily="34" charset="0"/>
                 <a:ea typeface="Source Sans Pro" panose="020B0503030403020204" pitchFamily="34" charset="0"/>
               </a:rPr>
-              <a:t> if it was in Open state.</a:t>
+              <a:t> if it was in the Open state.</a:t>
             </a:r>
           </a:p>
           <a:p>
@@ -3397,7 +3412,21 @@
                 <a:latin typeface="Source Sans Pro" panose="020B0503030403020204" pitchFamily="34" charset="0"/>
                 <a:ea typeface="Source Sans Pro" panose="020B0503030403020204" pitchFamily="34" charset="0"/>
               </a:rPr>
-              <a:t>The circuit shortcuts the execution with an </a:t>
+              <a:t>The circuit shortcuts </a:t>
+            </a:r>
+            <a:r>
+              <a:rPr lang="en-GB" sz="1600" b="0">
+                <a:latin typeface="Source Sans Pro" panose="020B0503030403020204" pitchFamily="34" charset="0"/>
+                <a:ea typeface="Source Sans Pro" panose="020B0503030403020204" pitchFamily="34" charset="0"/>
+              </a:rPr>
+              <a:t>the execution </a:t>
+            </a:r>
+            <a:r>
+              <a:rPr lang="en-GB" sz="1600" b="0" dirty="0">
+                <a:latin typeface="Source Sans Pro" panose="020B0503030403020204" pitchFamily="34" charset="0"/>
+                <a:ea typeface="Source Sans Pro" panose="020B0503030403020204" pitchFamily="34" charset="0"/>
+              </a:rPr>
+              <a:t>with an </a:t>
             </a:r>
             <a:r>
               <a:rPr lang="en-GB" sz="1600" dirty="0" err="1">
@@ -3411,7 +3440,7 @@
                 <a:latin typeface="Source Sans Pro" panose="020B0503030403020204" pitchFamily="34" charset="0"/>
                 <a:ea typeface="Source Sans Pro" panose="020B0503030403020204" pitchFamily="34" charset="0"/>
               </a:rPr>
-              <a:t> if it was Isolated state.</a:t>
+              <a:t> if it was in the Isolated state.</a:t>
             </a:r>
           </a:p>
         </p:txBody>
@@ -3435,7 +3464,7 @@
           </a:ln>
           <a:extLst>
             <a:ext uri="{C572A759-6A51-4108-AA02-DFA0A04FC94B}">
-              <ma14:wrappingTextBoxFlag xmlns:ma14="http://schemas.microsoft.com/office/mac/drawingml/2011/main" xmlns:a14="http://schemas.microsoft.com/office/drawing/2010/main" xmlns:m="http://schemas.openxmlformats.org/officeDocument/2006/math" xmlns="" val="1"/>
+              <ma14:wrappingTextBoxFlag xmlns="" xmlns:m="http://schemas.openxmlformats.org/officeDocument/2006/math" xmlns:a14="http://schemas.microsoft.com/office/drawing/2010/main" xmlns:ma14="http://schemas.microsoft.com/office/mac/drawingml/2011/main" val="1"/>
             </a:ext>
           </a:extLst>
         </p:spPr>
@@ -3537,7 +3566,7 @@
           </a:ln>
           <a:extLst>
             <a:ext uri="{C572A759-6A51-4108-AA02-DFA0A04FC94B}">
-              <ma14:wrappingTextBoxFlag xmlns:ma14="http://schemas.microsoft.com/office/mac/drawingml/2011/main" xmlns:a14="http://schemas.microsoft.com/office/drawing/2010/main" xmlns:m="http://schemas.openxmlformats.org/officeDocument/2006/math" xmlns="" val="1"/>
+              <ma14:wrappingTextBoxFlag xmlns="" xmlns:m="http://schemas.openxmlformats.org/officeDocument/2006/math" xmlns:a14="http://schemas.microsoft.com/office/drawing/2010/main" xmlns:ma14="http://schemas.microsoft.com/office/mac/drawingml/2011/main" val="1"/>
             </a:ext>
           </a:extLst>
         </p:spPr>
@@ -3582,7 +3611,7 @@
           </a:ln>
           <a:extLst>
             <a:ext uri="{C572A759-6A51-4108-AA02-DFA0A04FC94B}">
-              <ma14:wrappingTextBoxFlag xmlns:ma14="http://schemas.microsoft.com/office/mac/drawingml/2011/main" xmlns:a14="http://schemas.microsoft.com/office/drawing/2010/main" xmlns:m="http://schemas.openxmlformats.org/officeDocument/2006/math" xmlns="" val="1"/>
+              <ma14:wrappingTextBoxFlag xmlns="" xmlns:m="http://schemas.openxmlformats.org/officeDocument/2006/math" xmlns:a14="http://schemas.microsoft.com/office/drawing/2010/main" xmlns:ma14="http://schemas.microsoft.com/office/mac/drawingml/2011/main" val="1"/>
             </a:ext>
           </a:extLst>
         </p:spPr>
@@ -3650,7 +3679,7 @@
           </a:ln>
           <a:extLst>
             <a:ext uri="{C572A759-6A51-4108-AA02-DFA0A04FC94B}">
-              <ma14:wrappingTextBoxFlag xmlns:ma14="http://schemas.microsoft.com/office/mac/drawingml/2011/main" xmlns:a14="http://schemas.microsoft.com/office/drawing/2010/main" xmlns:m="http://schemas.openxmlformats.org/officeDocument/2006/math" xmlns="" val="1"/>
+              <ma14:wrappingTextBoxFlag xmlns="" xmlns:m="http://schemas.openxmlformats.org/officeDocument/2006/math" xmlns:a14="http://schemas.microsoft.com/office/drawing/2010/main" xmlns:ma14="http://schemas.microsoft.com/office/mac/drawingml/2011/main" val="1"/>
             </a:ext>
           </a:extLst>
         </p:spPr>
@@ -4970,7 +4999,7 @@
           </a:ln>
           <a:extLst>
             <a:ext uri="{C572A759-6A51-4108-AA02-DFA0A04FC94B}">
-              <ma14:wrappingTextBoxFlag xmlns:ma14="http://schemas.microsoft.com/office/mac/drawingml/2011/main" xmlns:a14="http://schemas.microsoft.com/office/drawing/2010/main" xmlns:m="http://schemas.openxmlformats.org/officeDocument/2006/math" xmlns="" val="1"/>
+              <ma14:wrappingTextBoxFlag xmlns="" xmlns:m="http://schemas.openxmlformats.org/officeDocument/2006/math" xmlns:a14="http://schemas.microsoft.com/office/drawing/2010/main" xmlns:ma14="http://schemas.microsoft.com/office/mac/drawingml/2011/main" val="1"/>
             </a:ext>
           </a:extLst>
         </p:spPr>
